--- a/master_dissertations/2017 - 2018 Tiago Esteves/apresentation/Apresentação.pptx
+++ b/master_dissertations/2017 - 2018 Tiago Esteves/apresentation/Apresentação.pptx
@@ -306,7 +306,7 @@
           <a:p>
             <a:fld id="{88A5C509-D5AF-4A77-999D-0722F086C3DD}" type="datetimeFigureOut">
               <a:rPr lang="pt-PT" smtClean="0"/>
-              <a:t>16-07-2018</a:t>
+              <a:t>20/05/2019</a:t>
             </a:fld>
             <a:endParaRPr lang="pt-PT" dirty="0"/>
           </a:p>
@@ -488,7 +488,7 @@
           <a:p>
             <a:fld id="{4BA3B2D5-221E-4A22-A9D5-91F32CB61694}" type="datetimeFigureOut">
               <a:rPr lang="pt-PT" smtClean="0"/>
-              <a:t>16-07-2018</a:t>
+              <a:t>20/05/2019</a:t>
             </a:fld>
             <a:endParaRPr lang="pt-PT" dirty="0"/>
           </a:p>
@@ -2759,7 +2759,7 @@
           <a:p>
             <a:fld id="{E30F0247-4A8B-46A0-AD59-04C97528C3AC}" type="datetime1">
               <a:rPr lang="en-US" smtClean="0"/>
-              <a:t>7/16/2018</a:t>
+              <a:t>5/20/2019</a:t>
             </a:fld>
             <a:endParaRPr lang="en-US" dirty="0"/>
           </a:p>
@@ -2927,7 +2927,7 @@
           <a:p>
             <a:fld id="{59A30230-08AF-4FA6-BAAD-57FBB280640D}" type="datetime1">
               <a:rPr lang="en-US" smtClean="0"/>
-              <a:t>7/16/2018</a:t>
+              <a:t>5/20/2019</a:t>
             </a:fld>
             <a:endParaRPr lang="en-US" dirty="0"/>
           </a:p>
@@ -3105,7 +3105,7 @@
           <a:p>
             <a:fld id="{109BA442-07F1-49B1-A591-1CF2D264FA60}" type="datetime1">
               <a:rPr lang="en-US" smtClean="0"/>
-              <a:t>7/16/2018</a:t>
+              <a:t>5/20/2019</a:t>
             </a:fld>
             <a:endParaRPr lang="en-US" dirty="0"/>
           </a:p>
@@ -3222,7 +3222,7 @@
           <a:noFill/>
           <a:extLst>
             <a:ext uri="{909E8E84-426E-40dd-AFC4-6F175D3DCCD1}">
-              <a14:hiddenFill xmlns:a14="http://schemas.microsoft.com/office/drawing/2010/main" xmlns="">
+              <a14:hiddenFill xmlns="" xmlns:a14="http://schemas.microsoft.com/office/drawing/2010/main">
                 <a:solidFill>
                   <a:srgbClr val="FFFFFF"/>
                 </a:solidFill>
@@ -3282,7 +3282,7 @@
             </a:ln>
             <a:extLst>
               <a:ext uri="{91240B29-F687-4f45-9708-019B960494DF}">
-                <a14:hiddenLine xmlns:a14="http://schemas.microsoft.com/office/drawing/2010/main" xmlns="" w="9525">
+                <a14:hiddenLine xmlns="" xmlns:a14="http://schemas.microsoft.com/office/drawing/2010/main" w="9525">
                   <a:solidFill>
                     <a:srgbClr val="000000"/>
                   </a:solidFill>
@@ -3372,7 +3372,7 @@
             </a:ln>
             <a:extLst>
               <a:ext uri="{91240B29-F687-4f45-9708-019B960494DF}">
-                <a14:hiddenLine xmlns:a14="http://schemas.microsoft.com/office/drawing/2010/main" xmlns="" w="9525">
+                <a14:hiddenLine xmlns="" xmlns:a14="http://schemas.microsoft.com/office/drawing/2010/main" w="9525">
                   <a:solidFill>
                     <a:srgbClr val="000000"/>
                   </a:solidFill>
@@ -3462,7 +3462,7 @@
             </a:ln>
             <a:extLst>
               <a:ext uri="{91240B29-F687-4f45-9708-019B960494DF}">
-                <a14:hiddenLine xmlns:a14="http://schemas.microsoft.com/office/drawing/2010/main" xmlns="" w="9525">
+                <a14:hiddenLine xmlns="" xmlns:a14="http://schemas.microsoft.com/office/drawing/2010/main" w="9525">
                   <a:solidFill>
                     <a:srgbClr val="000000"/>
                   </a:solidFill>
@@ -3496,7 +3496,7 @@
             </a:ln>
             <a:extLst>
               <a:ext uri="{91240B29-F687-4f45-9708-019B960494DF}">
-                <a14:hiddenLine xmlns:a14="http://schemas.microsoft.com/office/drawing/2010/main" xmlns="" w="9525">
+                <a14:hiddenLine xmlns="" xmlns:a14="http://schemas.microsoft.com/office/drawing/2010/main" w="9525">
                   <a:solidFill>
                     <a:srgbClr val="000000"/>
                   </a:solidFill>
@@ -3586,7 +3586,7 @@
             </a:ln>
             <a:extLst>
               <a:ext uri="{91240B29-F687-4f45-9708-019B960494DF}">
-                <a14:hiddenLine xmlns:a14="http://schemas.microsoft.com/office/drawing/2010/main" xmlns="" w="9525">
+                <a14:hiddenLine xmlns="" xmlns:a14="http://schemas.microsoft.com/office/drawing/2010/main" w="9525">
                   <a:solidFill>
                     <a:srgbClr val="000000"/>
                   </a:solidFill>
@@ -3648,7 +3648,7 @@
             </a:ln>
             <a:extLst>
               <a:ext uri="{91240B29-F687-4f45-9708-019B960494DF}">
-                <a14:hiddenLine xmlns:a14="http://schemas.microsoft.com/office/drawing/2010/main" xmlns="" w="9525">
+                <a14:hiddenLine xmlns="" xmlns:a14="http://schemas.microsoft.com/office/drawing/2010/main" w="9525">
                   <a:solidFill>
                     <a:srgbClr val="000000"/>
                   </a:solidFill>
@@ -3710,7 +3710,7 @@
             </a:ln>
             <a:extLst>
               <a:ext uri="{91240B29-F687-4f45-9708-019B960494DF}">
-                <a14:hiddenLine xmlns:a14="http://schemas.microsoft.com/office/drawing/2010/main" xmlns="" w="9525">
+                <a14:hiddenLine xmlns="" xmlns:a14="http://schemas.microsoft.com/office/drawing/2010/main" w="9525">
                   <a:solidFill>
                     <a:srgbClr val="000000"/>
                   </a:solidFill>
@@ -3800,7 +3800,7 @@
             </a:ln>
             <a:extLst>
               <a:ext uri="{91240B29-F687-4f45-9708-019B960494DF}">
-                <a14:hiddenLine xmlns:a14="http://schemas.microsoft.com/office/drawing/2010/main" xmlns="" w="9525">
+                <a14:hiddenLine xmlns="" xmlns:a14="http://schemas.microsoft.com/office/drawing/2010/main" w="9525">
                   <a:solidFill>
                     <a:srgbClr val="000000"/>
                   </a:solidFill>
@@ -3862,7 +3862,7 @@
             </a:ln>
             <a:extLst>
               <a:ext uri="{91240B29-F687-4f45-9708-019B960494DF}">
-                <a14:hiddenLine xmlns:a14="http://schemas.microsoft.com/office/drawing/2010/main" xmlns="" w="9525">
+                <a14:hiddenLine xmlns="" xmlns:a14="http://schemas.microsoft.com/office/drawing/2010/main" w="9525">
                   <a:solidFill>
                     <a:srgbClr val="000000"/>
                   </a:solidFill>
@@ -3924,7 +3924,7 @@
             </a:ln>
             <a:extLst>
               <a:ext uri="{91240B29-F687-4f45-9708-019B960494DF}">
-                <a14:hiddenLine xmlns:a14="http://schemas.microsoft.com/office/drawing/2010/main" xmlns="" w="9525">
+                <a14:hiddenLine xmlns="" xmlns:a14="http://schemas.microsoft.com/office/drawing/2010/main" w="9525">
                   <a:solidFill>
                     <a:srgbClr val="000000"/>
                   </a:solidFill>
@@ -4014,7 +4014,7 @@
             </a:ln>
             <a:extLst>
               <a:ext uri="{91240B29-F687-4f45-9708-019B960494DF}">
-                <a14:hiddenLine xmlns:a14="http://schemas.microsoft.com/office/drawing/2010/main" xmlns="" w="9525">
+                <a14:hiddenLine xmlns="" xmlns:a14="http://schemas.microsoft.com/office/drawing/2010/main" w="9525">
                   <a:solidFill>
                     <a:srgbClr val="000000"/>
                   </a:solidFill>
@@ -4104,7 +4104,7 @@
             </a:ln>
             <a:extLst>
               <a:ext uri="{91240B29-F687-4f45-9708-019B960494DF}">
-                <a14:hiddenLine xmlns:a14="http://schemas.microsoft.com/office/drawing/2010/main" xmlns="" w="9525">
+                <a14:hiddenLine xmlns="" xmlns:a14="http://schemas.microsoft.com/office/drawing/2010/main" w="9525">
                   <a:solidFill>
                     <a:srgbClr val="000000"/>
                   </a:solidFill>
@@ -4166,7 +4166,7 @@
             </a:ln>
             <a:extLst>
               <a:ext uri="{91240B29-F687-4f45-9708-019B960494DF}">
-                <a14:hiddenLine xmlns:a14="http://schemas.microsoft.com/office/drawing/2010/main" xmlns="" w="9525">
+                <a14:hiddenLine xmlns="" xmlns:a14="http://schemas.microsoft.com/office/drawing/2010/main" w="9525">
                   <a:solidFill>
                     <a:srgbClr val="000000"/>
                   </a:solidFill>
@@ -4276,7 +4276,7 @@
             </a:ln>
             <a:extLst>
               <a:ext uri="{91240B29-F687-4f45-9708-019B960494DF}">
-                <a14:hiddenLine xmlns:a14="http://schemas.microsoft.com/office/drawing/2010/main" xmlns="" w="9525">
+                <a14:hiddenLine xmlns="" xmlns:a14="http://schemas.microsoft.com/office/drawing/2010/main" w="9525">
                   <a:solidFill>
                     <a:srgbClr val="000000"/>
                   </a:solidFill>
@@ -4338,7 +4338,7 @@
             </a:ln>
             <a:extLst>
               <a:ext uri="{91240B29-F687-4f45-9708-019B960494DF}">
-                <a14:hiddenLine xmlns:a14="http://schemas.microsoft.com/office/drawing/2010/main" xmlns="" w="9525">
+                <a14:hiddenLine xmlns="" xmlns:a14="http://schemas.microsoft.com/office/drawing/2010/main" w="9525">
                   <a:solidFill>
                     <a:srgbClr val="000000"/>
                   </a:solidFill>
@@ -4428,7 +4428,7 @@
             </a:ln>
             <a:extLst>
               <a:ext uri="{91240B29-F687-4f45-9708-019B960494DF}">
-                <a14:hiddenLine xmlns:a14="http://schemas.microsoft.com/office/drawing/2010/main" xmlns="" w="9525">
+                <a14:hiddenLine xmlns="" xmlns:a14="http://schemas.microsoft.com/office/drawing/2010/main" w="9525">
                   <a:solidFill>
                     <a:srgbClr val="000000"/>
                   </a:solidFill>
@@ -4518,7 +4518,7 @@
             </a:ln>
             <a:extLst>
               <a:ext uri="{91240B29-F687-4f45-9708-019B960494DF}">
-                <a14:hiddenLine xmlns:a14="http://schemas.microsoft.com/office/drawing/2010/main" xmlns="" w="9525">
+                <a14:hiddenLine xmlns="" xmlns:a14="http://schemas.microsoft.com/office/drawing/2010/main" w="9525">
                   <a:solidFill>
                     <a:srgbClr val="000000"/>
                   </a:solidFill>
@@ -4580,7 +4580,7 @@
             </a:ln>
             <a:extLst>
               <a:ext uri="{91240B29-F687-4f45-9708-019B960494DF}">
-                <a14:hiddenLine xmlns:a14="http://schemas.microsoft.com/office/drawing/2010/main" xmlns="" w="9525">
+                <a14:hiddenLine xmlns="" xmlns:a14="http://schemas.microsoft.com/office/drawing/2010/main" w="9525">
                   <a:solidFill>
                     <a:srgbClr val="000000"/>
                   </a:solidFill>
@@ -4670,7 +4670,7 @@
             </a:ln>
             <a:extLst>
               <a:ext uri="{91240B29-F687-4f45-9708-019B960494DF}">
-                <a14:hiddenLine xmlns:a14="http://schemas.microsoft.com/office/drawing/2010/main" xmlns="" w="9525">
+                <a14:hiddenLine xmlns="" xmlns:a14="http://schemas.microsoft.com/office/drawing/2010/main" w="9525">
                   <a:solidFill>
                     <a:srgbClr val="000000"/>
                   </a:solidFill>
@@ -4760,7 +4760,7 @@
             </a:ln>
             <a:extLst>
               <a:ext uri="{91240B29-F687-4f45-9708-019B960494DF}">
-                <a14:hiddenLine xmlns:a14="http://schemas.microsoft.com/office/drawing/2010/main" xmlns="" w="9525">
+                <a14:hiddenLine xmlns="" xmlns:a14="http://schemas.microsoft.com/office/drawing/2010/main" w="9525">
                   <a:solidFill>
                     <a:srgbClr val="000000"/>
                   </a:solidFill>
@@ -4816,7 +4816,7 @@
             </a:ln>
             <a:extLst>
               <a:ext uri="{91240B29-F687-4f45-9708-019B960494DF}">
-                <a14:hiddenLine xmlns:a14="http://schemas.microsoft.com/office/drawing/2010/main" xmlns="" w="9525">
+                <a14:hiddenLine xmlns="" xmlns:a14="http://schemas.microsoft.com/office/drawing/2010/main" w="9525">
                   <a:solidFill>
                     <a:srgbClr val="000000"/>
                   </a:solidFill>
@@ -4906,7 +4906,7 @@
             </a:ln>
             <a:extLst>
               <a:ext uri="{91240B29-F687-4f45-9708-019B960494DF}">
-                <a14:hiddenLine xmlns:a14="http://schemas.microsoft.com/office/drawing/2010/main" xmlns="" w="9525">
+                <a14:hiddenLine xmlns="" xmlns:a14="http://schemas.microsoft.com/office/drawing/2010/main" w="9525">
                   <a:solidFill>
                     <a:srgbClr val="000000"/>
                   </a:solidFill>
@@ -4962,7 +4962,7 @@
             </a:ln>
             <a:extLst>
               <a:ext uri="{91240B29-F687-4f45-9708-019B960494DF}">
-                <a14:hiddenLine xmlns:a14="http://schemas.microsoft.com/office/drawing/2010/main" xmlns="" w="9525">
+                <a14:hiddenLine xmlns="" xmlns:a14="http://schemas.microsoft.com/office/drawing/2010/main" w="9525">
                   <a:solidFill>
                     <a:srgbClr val="000000"/>
                   </a:solidFill>
@@ -5052,7 +5052,7 @@
             </a:ln>
             <a:extLst>
               <a:ext uri="{91240B29-F687-4f45-9708-019B960494DF}">
-                <a14:hiddenLine xmlns:a14="http://schemas.microsoft.com/office/drawing/2010/main" xmlns="" w="9525">
+                <a14:hiddenLine xmlns="" xmlns:a14="http://schemas.microsoft.com/office/drawing/2010/main" w="9525">
                   <a:solidFill>
                     <a:srgbClr val="000000"/>
                   </a:solidFill>
@@ -5120,7 +5120,7 @@
             </a:ln>
             <a:extLst>
               <a:ext uri="{91240B29-F687-4f45-9708-019B960494DF}">
-                <a14:hiddenLine xmlns:a14="http://schemas.microsoft.com/office/drawing/2010/main" xmlns="" w="9525">
+                <a14:hiddenLine xmlns="" xmlns:a14="http://schemas.microsoft.com/office/drawing/2010/main" w="9525">
                   <a:solidFill>
                     <a:srgbClr val="000000"/>
                   </a:solidFill>
@@ -5210,7 +5210,7 @@
             </a:ln>
             <a:extLst>
               <a:ext uri="{91240B29-F687-4f45-9708-019B960494DF}">
-                <a14:hiddenLine xmlns:a14="http://schemas.microsoft.com/office/drawing/2010/main" xmlns="" w="9525">
+                <a14:hiddenLine xmlns="" xmlns:a14="http://schemas.microsoft.com/office/drawing/2010/main" w="9525">
                   <a:solidFill>
                     <a:srgbClr val="000000"/>
                   </a:solidFill>
@@ -5278,7 +5278,7 @@
             </a:ln>
             <a:extLst>
               <a:ext uri="{91240B29-F687-4f45-9708-019B960494DF}">
-                <a14:hiddenLine xmlns:a14="http://schemas.microsoft.com/office/drawing/2010/main" xmlns="" w="9525">
+                <a14:hiddenLine xmlns="" xmlns:a14="http://schemas.microsoft.com/office/drawing/2010/main" w="9525">
                   <a:solidFill>
                     <a:srgbClr val="000000"/>
                   </a:solidFill>
@@ -5368,7 +5368,7 @@
             </a:ln>
             <a:extLst>
               <a:ext uri="{91240B29-F687-4f45-9708-019B960494DF}">
-                <a14:hiddenLine xmlns:a14="http://schemas.microsoft.com/office/drawing/2010/main" xmlns="" w="9525">
+                <a14:hiddenLine xmlns="" xmlns:a14="http://schemas.microsoft.com/office/drawing/2010/main" w="9525">
                   <a:solidFill>
                     <a:srgbClr val="000000"/>
                   </a:solidFill>
@@ -5402,7 +5402,7 @@
             </a:ln>
             <a:extLst>
               <a:ext uri="{91240B29-F687-4f45-9708-019B960494DF}">
-                <a14:hiddenLine xmlns:a14="http://schemas.microsoft.com/office/drawing/2010/main" xmlns="" w="9525">
+                <a14:hiddenLine xmlns="" xmlns:a14="http://schemas.microsoft.com/office/drawing/2010/main" w="9525">
                   <a:solidFill>
                     <a:srgbClr val="000000"/>
                   </a:solidFill>
@@ -5492,7 +5492,7 @@
             </a:ln>
             <a:extLst>
               <a:ext uri="{91240B29-F687-4f45-9708-019B960494DF}">
-                <a14:hiddenLine xmlns:a14="http://schemas.microsoft.com/office/drawing/2010/main" xmlns="" w="9525">
+                <a14:hiddenLine xmlns="" xmlns:a14="http://schemas.microsoft.com/office/drawing/2010/main" w="9525">
                   <a:solidFill>
                     <a:srgbClr val="000000"/>
                   </a:solidFill>
@@ -5554,7 +5554,7 @@
             </a:ln>
             <a:extLst>
               <a:ext uri="{91240B29-F687-4f45-9708-019B960494DF}">
-                <a14:hiddenLine xmlns:a14="http://schemas.microsoft.com/office/drawing/2010/main" xmlns="" w="9525">
+                <a14:hiddenLine xmlns="" xmlns:a14="http://schemas.microsoft.com/office/drawing/2010/main" w="9525">
                   <a:solidFill>
                     <a:srgbClr val="000000"/>
                   </a:solidFill>
@@ -5616,7 +5616,7 @@
             </a:ln>
             <a:extLst>
               <a:ext uri="{91240B29-F687-4f45-9708-019B960494DF}">
-                <a14:hiddenLine xmlns:a14="http://schemas.microsoft.com/office/drawing/2010/main" xmlns="" w="9525">
+                <a14:hiddenLine xmlns="" xmlns:a14="http://schemas.microsoft.com/office/drawing/2010/main" w="9525">
                   <a:solidFill>
                     <a:srgbClr val="000000"/>
                   </a:solidFill>
@@ -5706,7 +5706,7 @@
             </a:ln>
             <a:extLst>
               <a:ext uri="{91240B29-F687-4f45-9708-019B960494DF}">
-                <a14:hiddenLine xmlns:a14="http://schemas.microsoft.com/office/drawing/2010/main" xmlns="" w="9525">
+                <a14:hiddenLine xmlns="" xmlns:a14="http://schemas.microsoft.com/office/drawing/2010/main" w="9525">
                   <a:solidFill>
                     <a:srgbClr val="000000"/>
                   </a:solidFill>
@@ -5774,7 +5774,7 @@
             </a:ln>
             <a:extLst>
               <a:ext uri="{91240B29-F687-4f45-9708-019B960494DF}">
-                <a14:hiddenLine xmlns:a14="http://schemas.microsoft.com/office/drawing/2010/main" xmlns="" w="9525">
+                <a14:hiddenLine xmlns="" xmlns:a14="http://schemas.microsoft.com/office/drawing/2010/main" w="9525">
                   <a:solidFill>
                     <a:srgbClr val="000000"/>
                   </a:solidFill>
@@ -5836,7 +5836,7 @@
             </a:ln>
             <a:extLst>
               <a:ext uri="{91240B29-F687-4f45-9708-019B960494DF}">
-                <a14:hiddenLine xmlns:a14="http://schemas.microsoft.com/office/drawing/2010/main" xmlns="" w="9525">
+                <a14:hiddenLine xmlns="" xmlns:a14="http://schemas.microsoft.com/office/drawing/2010/main" w="9525">
                   <a:solidFill>
                     <a:srgbClr val="000000"/>
                   </a:solidFill>
@@ -5926,7 +5926,7 @@
             </a:ln>
             <a:extLst>
               <a:ext uri="{91240B29-F687-4f45-9708-019B960494DF}">
-                <a14:hiddenLine xmlns:a14="http://schemas.microsoft.com/office/drawing/2010/main" xmlns="" w="9525">
+                <a14:hiddenLine xmlns="" xmlns:a14="http://schemas.microsoft.com/office/drawing/2010/main" w="9525">
                   <a:solidFill>
                     <a:srgbClr val="000000"/>
                   </a:solidFill>
@@ -5988,7 +5988,7 @@
             </a:ln>
             <a:extLst>
               <a:ext uri="{91240B29-F687-4f45-9708-019B960494DF}">
-                <a14:hiddenLine xmlns:a14="http://schemas.microsoft.com/office/drawing/2010/main" xmlns="" w="9525">
+                <a14:hiddenLine xmlns="" xmlns:a14="http://schemas.microsoft.com/office/drawing/2010/main" w="9525">
                   <a:solidFill>
                     <a:srgbClr val="000000"/>
                   </a:solidFill>
@@ -6078,7 +6078,7 @@
             </a:ln>
             <a:extLst>
               <a:ext uri="{91240B29-F687-4f45-9708-019B960494DF}">
-                <a14:hiddenLine xmlns:a14="http://schemas.microsoft.com/office/drawing/2010/main" xmlns="" w="9525">
+                <a14:hiddenLine xmlns="" xmlns:a14="http://schemas.microsoft.com/office/drawing/2010/main" w="9525">
                   <a:solidFill>
                     <a:srgbClr val="000000"/>
                   </a:solidFill>
@@ -6140,7 +6140,7 @@
             </a:ln>
             <a:extLst>
               <a:ext uri="{91240B29-F687-4f45-9708-019B960494DF}">
-                <a14:hiddenLine xmlns:a14="http://schemas.microsoft.com/office/drawing/2010/main" xmlns="" w="9525">
+                <a14:hiddenLine xmlns="" xmlns:a14="http://schemas.microsoft.com/office/drawing/2010/main" w="9525">
                   <a:solidFill>
                     <a:srgbClr val="000000"/>
                   </a:solidFill>
@@ -6230,7 +6230,7 @@
             </a:ln>
             <a:extLst>
               <a:ext uri="{91240B29-F687-4f45-9708-019B960494DF}">
-                <a14:hiddenLine xmlns:a14="http://schemas.microsoft.com/office/drawing/2010/main" xmlns="" w="9525">
+                <a14:hiddenLine xmlns="" xmlns:a14="http://schemas.microsoft.com/office/drawing/2010/main" w="9525">
                   <a:solidFill>
                     <a:srgbClr val="000000"/>
                   </a:solidFill>
@@ -6264,7 +6264,7 @@
             </a:ln>
             <a:extLst>
               <a:ext uri="{91240B29-F687-4f45-9708-019B960494DF}">
-                <a14:hiddenLine xmlns:a14="http://schemas.microsoft.com/office/drawing/2010/main" xmlns="" w="9525">
+                <a14:hiddenLine xmlns="" xmlns:a14="http://schemas.microsoft.com/office/drawing/2010/main" w="9525">
                   <a:solidFill>
                     <a:srgbClr val="000000"/>
                   </a:solidFill>
@@ -6329,7 +6329,7 @@
             </a:ln>
             <a:extLst>
               <a:ext uri="{91240B29-F687-4f45-9708-019B960494DF}">
-                <a14:hiddenLine xmlns:a14="http://schemas.microsoft.com/office/drawing/2010/main" xmlns="" w="9525">
+                <a14:hiddenLine xmlns="" xmlns:a14="http://schemas.microsoft.com/office/drawing/2010/main" w="9525">
                   <a:solidFill>
                     <a:srgbClr val="000000"/>
                   </a:solidFill>
@@ -6419,7 +6419,7 @@
             </a:ln>
             <a:extLst>
               <a:ext uri="{91240B29-F687-4f45-9708-019B960494DF}">
-                <a14:hiddenLine xmlns:a14="http://schemas.microsoft.com/office/drawing/2010/main" xmlns="" w="9525">
+                <a14:hiddenLine xmlns="" xmlns:a14="http://schemas.microsoft.com/office/drawing/2010/main" w="9525">
                   <a:solidFill>
                     <a:srgbClr val="000000"/>
                   </a:solidFill>
@@ -6481,7 +6481,7 @@
             </a:ln>
             <a:extLst>
               <a:ext uri="{91240B29-F687-4f45-9708-019B960494DF}">
-                <a14:hiddenLine xmlns:a14="http://schemas.microsoft.com/office/drawing/2010/main" xmlns="" w="9525">
+                <a14:hiddenLine xmlns="" xmlns:a14="http://schemas.microsoft.com/office/drawing/2010/main" w="9525">
                   <a:solidFill>
                     <a:srgbClr val="000000"/>
                   </a:solidFill>
@@ -6571,7 +6571,7 @@
             </a:ln>
             <a:extLst>
               <a:ext uri="{91240B29-F687-4f45-9708-019B960494DF}">
-                <a14:hiddenLine xmlns:a14="http://schemas.microsoft.com/office/drawing/2010/main" xmlns="" w="9525">
+                <a14:hiddenLine xmlns="" xmlns:a14="http://schemas.microsoft.com/office/drawing/2010/main" w="9525">
                   <a:solidFill>
                     <a:srgbClr val="000000"/>
                   </a:solidFill>
@@ -6661,7 +6661,7 @@
             </a:ln>
             <a:extLst>
               <a:ext uri="{91240B29-F687-4f45-9708-019B960494DF}">
-                <a14:hiddenLine xmlns:a14="http://schemas.microsoft.com/office/drawing/2010/main" xmlns="" w="9525">
+                <a14:hiddenLine xmlns="" xmlns:a14="http://schemas.microsoft.com/office/drawing/2010/main" w="9525">
                   <a:solidFill>
                     <a:srgbClr val="000000"/>
                   </a:solidFill>
@@ -6726,7 +6726,7 @@
             </a:ln>
             <a:extLst>
               <a:ext uri="{91240B29-F687-4f45-9708-019B960494DF}">
-                <a14:hiddenLine xmlns:a14="http://schemas.microsoft.com/office/drawing/2010/main" xmlns="" w="9525">
+                <a14:hiddenLine xmlns="" xmlns:a14="http://schemas.microsoft.com/office/drawing/2010/main" w="9525">
                   <a:solidFill>
                     <a:srgbClr val="000000"/>
                   </a:solidFill>
@@ -6788,7 +6788,7 @@
             </a:ln>
             <a:extLst>
               <a:ext uri="{91240B29-F687-4f45-9708-019B960494DF}">
-                <a14:hiddenLine xmlns:a14="http://schemas.microsoft.com/office/drawing/2010/main" xmlns="" w="9525">
+                <a14:hiddenLine xmlns="" xmlns:a14="http://schemas.microsoft.com/office/drawing/2010/main" w="9525">
                   <a:solidFill>
                     <a:srgbClr val="000000"/>
                   </a:solidFill>
@@ -6878,7 +6878,7 @@
             </a:ln>
             <a:extLst>
               <a:ext uri="{91240B29-F687-4f45-9708-019B960494DF}">
-                <a14:hiddenLine xmlns:a14="http://schemas.microsoft.com/office/drawing/2010/main" xmlns="" w="9525">
+                <a14:hiddenLine xmlns="" xmlns:a14="http://schemas.microsoft.com/office/drawing/2010/main" w="9525">
                   <a:solidFill>
                     <a:srgbClr val="000000"/>
                   </a:solidFill>
@@ -6968,7 +6968,7 @@
             </a:ln>
             <a:extLst>
               <a:ext uri="{91240B29-F687-4f45-9708-019B960494DF}">
-                <a14:hiddenLine xmlns:a14="http://schemas.microsoft.com/office/drawing/2010/main" xmlns="" w="9525">
+                <a14:hiddenLine xmlns="" xmlns:a14="http://schemas.microsoft.com/office/drawing/2010/main" w="9525">
                   <a:solidFill>
                     <a:srgbClr val="000000"/>
                   </a:solidFill>
@@ -7030,7 +7030,7 @@
             </a:ln>
             <a:extLst>
               <a:ext uri="{91240B29-F687-4f45-9708-019B960494DF}">
-                <a14:hiddenLine xmlns:a14="http://schemas.microsoft.com/office/drawing/2010/main" xmlns="" w="9525">
+                <a14:hiddenLine xmlns="" xmlns:a14="http://schemas.microsoft.com/office/drawing/2010/main" w="9525">
                   <a:solidFill>
                     <a:srgbClr val="000000"/>
                   </a:solidFill>
@@ -7150,7 +7150,7 @@
             </a:ln>
             <a:extLst>
               <a:ext uri="{91240B29-F687-4f45-9708-019B960494DF}">
-                <a14:hiddenLine xmlns:a14="http://schemas.microsoft.com/office/drawing/2010/main" xmlns="" w="9525">
+                <a14:hiddenLine xmlns="" xmlns:a14="http://schemas.microsoft.com/office/drawing/2010/main" w="9525">
                   <a:solidFill>
                     <a:srgbClr val="000000"/>
                   </a:solidFill>
@@ -7218,7 +7218,7 @@
             </a:ln>
             <a:extLst>
               <a:ext uri="{91240B29-F687-4f45-9708-019B960494DF}">
-                <a14:hiddenLine xmlns:a14="http://schemas.microsoft.com/office/drawing/2010/main" xmlns="" w="9525">
+                <a14:hiddenLine xmlns="" xmlns:a14="http://schemas.microsoft.com/office/drawing/2010/main" w="9525">
                   <a:solidFill>
                     <a:srgbClr val="000000"/>
                   </a:solidFill>
@@ -7308,7 +7308,7 @@
             </a:ln>
             <a:extLst>
               <a:ext uri="{91240B29-F687-4f45-9708-019B960494DF}">
-                <a14:hiddenLine xmlns:a14="http://schemas.microsoft.com/office/drawing/2010/main" xmlns="" w="9525">
+                <a14:hiddenLine xmlns="" xmlns:a14="http://schemas.microsoft.com/office/drawing/2010/main" w="9525">
                   <a:solidFill>
                     <a:srgbClr val="000000"/>
                   </a:solidFill>
@@ -7448,7 +7448,7 @@
           <a:p>
             <a:fld id="{4F3BF5D0-AD72-4976-B9DF-A0DBF9C386BB}" type="datetime1">
               <a:rPr lang="en-US" smtClean="0"/>
-              <a:t>7/16/2018</a:t>
+              <a:t>5/20/2019</a:t>
             </a:fld>
             <a:endParaRPr lang="en-US" dirty="0"/>
           </a:p>
@@ -7647,7 +7647,7 @@
           <a:p>
             <a:fld id="{4F13CB4E-6445-46F3-A903-7A1BF16EFE1A}" type="datetime1">
               <a:rPr lang="en-US" smtClean="0"/>
-              <a:t>7/16/2018</a:t>
+              <a:t>5/20/2019</a:t>
             </a:fld>
             <a:endParaRPr lang="en-US" dirty="0"/>
           </a:p>
@@ -7911,7 +7911,7 @@
           <a:p>
             <a:fld id="{11B77F22-F890-4E3B-81A1-E81928C254FE}" type="datetime1">
               <a:rPr lang="en-US" smtClean="0"/>
-              <a:t>7/16/2018</a:t>
+              <a:t>5/20/2019</a:t>
             </a:fld>
             <a:endParaRPr lang="en-US" dirty="0"/>
           </a:p>
@@ -8147,7 +8147,7 @@
           <a:p>
             <a:fld id="{72CCB9A2-F85C-4832-B7AD-D328D3E96620}" type="datetime1">
               <a:rPr lang="en-US" smtClean="0"/>
-              <a:t>7/16/2018</a:t>
+              <a:t>5/20/2019</a:t>
             </a:fld>
             <a:endParaRPr lang="en-US" dirty="0"/>
           </a:p>
@@ -8532,7 +8532,7 @@
           <a:p>
             <a:fld id="{7F58E6DA-B534-46F3-8C65-10822E650C49}" type="datetime1">
               <a:rPr lang="en-US" smtClean="0"/>
-              <a:t>7/16/2018</a:t>
+              <a:t>5/20/2019</a:t>
             </a:fld>
             <a:endParaRPr lang="en-US" dirty="0"/>
           </a:p>
@@ -8654,7 +8654,7 @@
           <a:p>
             <a:fld id="{AECA5CD2-50E4-4E48-B92C-7CD2090F11D5}" type="datetime1">
               <a:rPr lang="en-US" smtClean="0"/>
-              <a:t>7/16/2018</a:t>
+              <a:t>5/20/2019</a:t>
             </a:fld>
             <a:endParaRPr lang="en-US" dirty="0"/>
           </a:p>
@@ -8753,7 +8753,7 @@
           <a:p>
             <a:fld id="{D9E20314-6FF3-40E7-91C7-509F5DF4A4F1}" type="datetime1">
               <a:rPr lang="en-US" smtClean="0"/>
-              <a:t>7/16/2018</a:t>
+              <a:t>5/20/2019</a:t>
             </a:fld>
             <a:endParaRPr lang="en-US" dirty="0"/>
           </a:p>
@@ -9006,7 +9006,7 @@
           <a:p>
             <a:fld id="{31B4A6FD-EE1A-4B2C-BD51-A46D0053090A}" type="datetime1">
               <a:rPr lang="en-US" smtClean="0"/>
-              <a:t>7/16/2018</a:t>
+              <a:t>5/20/2019</a:t>
             </a:fld>
             <a:endParaRPr lang="en-US" dirty="0"/>
           </a:p>
@@ -9198,7 +9198,7 @@
           <a:p>
             <a:fld id="{9BFE19AE-D272-46FA-93C5-1ADC06FAD37F}" type="datetime1">
               <a:rPr lang="en-US" smtClean="0"/>
-              <a:t>7/16/2018</a:t>
+              <a:t>5/20/2019</a:t>
             </a:fld>
             <a:endParaRPr lang="en-US" dirty="0"/>
           </a:p>
@@ -9449,7 +9449,7 @@
           <a:p>
             <a:fld id="{57B06C44-FA4D-4C9C-B225-B57439C25F25}" type="datetime1">
               <a:rPr lang="en-US" smtClean="0"/>
-              <a:t>7/16/2018</a:t>
+              <a:t>5/20/2019</a:t>
             </a:fld>
             <a:endParaRPr lang="en-US" dirty="0"/>
           </a:p>
@@ -9710,7 +9710,7 @@
           <a:p>
             <a:fld id="{20378BF1-6041-442F-A1DB-F9178E4A9B83}" type="datetime1">
               <a:rPr lang="en-US" smtClean="0"/>
-              <a:t>7/16/2018</a:t>
+              <a:t>5/20/2019</a:t>
             </a:fld>
             <a:endParaRPr lang="en-US" dirty="0"/>
           </a:p>
@@ -9910,7 +9910,7 @@
           <a:p>
             <a:fld id="{705C84FC-999D-4344-B43D-ACC87CCBED04}" type="datetime1">
               <a:rPr lang="en-US" smtClean="0"/>
-              <a:t>7/16/2018</a:t>
+              <a:t>5/20/2019</a:t>
             </a:fld>
             <a:endParaRPr lang="en-US" dirty="0"/>
           </a:p>
@@ -10177,7 +10177,7 @@
           <a:p>
             <a:fld id="{6C7F630F-821F-4A76-AF82-CC9F24AE12BF}" type="datetime1">
               <a:rPr lang="en-US" smtClean="0"/>
-              <a:t>7/16/2018</a:t>
+              <a:t>5/20/2019</a:t>
             </a:fld>
             <a:endParaRPr lang="en-US" dirty="0"/>
           </a:p>
@@ -10615,7 +10615,7 @@
           <a:p>
             <a:fld id="{772B756B-D75A-4185-B25D-ECA1216009A0}" type="datetime1">
               <a:rPr lang="en-US" smtClean="0"/>
-              <a:t>7/16/2018</a:t>
+              <a:t>5/20/2019</a:t>
             </a:fld>
             <a:endParaRPr lang="en-US" dirty="0"/>
           </a:p>
@@ -11165,7 +11165,7 @@
           <a:p>
             <a:fld id="{48BCD599-8421-428B-BF57-10147D95F5EE}" type="datetime1">
               <a:rPr lang="en-US" smtClean="0"/>
-              <a:t>7/16/2018</a:t>
+              <a:t>5/20/2019</a:t>
             </a:fld>
             <a:endParaRPr lang="en-US" dirty="0"/>
           </a:p>
@@ -11889,7 +11889,7 @@
           <a:p>
             <a:fld id="{DED7A698-7699-4333-A500-44CD92874F7F}" type="datetime1">
               <a:rPr lang="en-US" smtClean="0"/>
-              <a:t>7/16/2018</a:t>
+              <a:t>5/20/2019</a:t>
             </a:fld>
             <a:endParaRPr lang="en-US" dirty="0"/>
           </a:p>
@@ -12067,7 +12067,7 @@
           <a:p>
             <a:fld id="{65C5D7FC-0391-4106-9576-5EB952EA04E1}" type="datetime1">
               <a:rPr lang="en-US" smtClean="0"/>
-              <a:t>7/16/2018</a:t>
+              <a:t>5/20/2019</a:t>
             </a:fld>
             <a:endParaRPr lang="en-US" dirty="0"/>
           </a:p>
@@ -12251,7 +12251,7 @@
           <a:p>
             <a:fld id="{9640FB0D-4B30-45C9-8AD7-63329777EE78}" type="datetime1">
               <a:rPr lang="en-US" smtClean="0"/>
-              <a:t>7/16/2018</a:t>
+              <a:t>5/20/2019</a:t>
             </a:fld>
             <a:endParaRPr lang="en-US" dirty="0"/>
           </a:p>
@@ -12522,7 +12522,7 @@
           <a:p>
             <a:fld id="{CAA4BF5A-5E99-44D3-99C3-3633C3FF8408}" type="datetime1">
               <a:rPr lang="en-US" smtClean="0"/>
-              <a:t>7/16/2018</a:t>
+              <a:t>5/20/2019</a:t>
             </a:fld>
             <a:endParaRPr lang="en-US" dirty="0"/>
           </a:p>
@@ -12873,7 +12873,7 @@
           <a:p>
             <a:fld id="{F9D36C47-AB77-4280-8F9B-65C212BFFF5B}" type="datetime1">
               <a:rPr lang="en-US" smtClean="0"/>
-              <a:t>7/16/2018</a:t>
+              <a:t>5/20/2019</a:t>
             </a:fld>
             <a:endParaRPr lang="en-US" dirty="0"/>
           </a:p>
@@ -13183,7 +13183,7 @@
           <a:p>
             <a:fld id="{59059708-ABA5-4CEA-B51D-57C6D56B3113}" type="datetime1">
               <a:rPr lang="en-US" smtClean="0"/>
-              <a:t>7/16/2018</a:t>
+              <a:t>5/20/2019</a:t>
             </a:fld>
             <a:endParaRPr lang="en-US" dirty="0"/>
           </a:p>
@@ -13414,7 +13414,7 @@
           <a:p>
             <a:fld id="{02610041-50EF-4181-8D92-A7D16688C41B}" type="datetime1">
               <a:rPr lang="en-US" smtClean="0"/>
-              <a:t>7/16/2018</a:t>
+              <a:t>5/20/2019</a:t>
             </a:fld>
             <a:endParaRPr lang="en-US" dirty="0"/>
           </a:p>
@@ -13508,7 +13508,7 @@
           <a:p>
             <a:fld id="{6B27D6DF-C413-4A8E-A9E7-939FC27CD9E7}" type="datetime1">
               <a:rPr lang="en-US" smtClean="0"/>
-              <a:t>7/16/2018</a:t>
+              <a:t>5/20/2019</a:t>
             </a:fld>
             <a:endParaRPr lang="en-US" dirty="0"/>
           </a:p>
@@ -13800,7 +13800,7 @@
           <a:p>
             <a:fld id="{D339DEC3-09FF-483B-8634-33DDD1BE22BE}" type="datetime1">
               <a:rPr lang="en-US" smtClean="0"/>
-              <a:t>7/16/2018</a:t>
+              <a:t>5/20/2019</a:t>
             </a:fld>
             <a:endParaRPr lang="en-US" dirty="0"/>
           </a:p>
@@ -14072,7 +14072,7 @@
           <a:p>
             <a:fld id="{AEB1E85B-8AFB-4D91-B83F-F9D1C22617FB}" type="datetime1">
               <a:rPr lang="en-US" smtClean="0"/>
-              <a:t>7/16/2018</a:t>
+              <a:t>5/20/2019</a:t>
             </a:fld>
             <a:endParaRPr lang="en-US" dirty="0"/>
           </a:p>
@@ -14286,7 +14286,7 @@
           <a:p>
             <a:fld id="{11AD0729-5D70-4254-AA82-E53251C81992}" type="datetime1">
               <a:rPr lang="en-US" smtClean="0"/>
-              <a:t>7/16/2018</a:t>
+              <a:t>5/20/2019</a:t>
             </a:fld>
             <a:endParaRPr lang="en-US" dirty="0"/>
           </a:p>
@@ -14854,7 +14854,7 @@
           <a:noFill/>
           <a:extLst>
             <a:ext uri="{909E8E84-426E-40dd-AFC4-6F175D3DCCD1}">
-              <a14:hiddenFill xmlns:a14="http://schemas.microsoft.com/office/drawing/2010/main" xmlns="">
+              <a14:hiddenFill xmlns="" xmlns:a14="http://schemas.microsoft.com/office/drawing/2010/main">
                 <a:solidFill>
                   <a:srgbClr val="FFFFFF"/>
                 </a:solidFill>
@@ -14928,7 +14928,7 @@
               </a:ln>
               <a:extLst>
                 <a:ext uri="{91240B29-F687-4f45-9708-019B960494DF}">
-                  <a14:hiddenLine xmlns:a14="http://schemas.microsoft.com/office/drawing/2010/main" xmlns="" w="9525">
+                  <a14:hiddenLine xmlns="" xmlns:a14="http://schemas.microsoft.com/office/drawing/2010/main" w="9525">
                     <a:solidFill>
                       <a:srgbClr val="000000"/>
                     </a:solidFill>
@@ -15018,7 +15018,7 @@
               </a:ln>
               <a:extLst>
                 <a:ext uri="{91240B29-F687-4f45-9708-019B960494DF}">
-                  <a14:hiddenLine xmlns:a14="http://schemas.microsoft.com/office/drawing/2010/main" xmlns="" w="9525">
+                  <a14:hiddenLine xmlns="" xmlns:a14="http://schemas.microsoft.com/office/drawing/2010/main" w="9525">
                     <a:solidFill>
                       <a:srgbClr val="000000"/>
                     </a:solidFill>
@@ -15108,7 +15108,7 @@
               </a:ln>
               <a:extLst>
                 <a:ext uri="{91240B29-F687-4f45-9708-019B960494DF}">
-                  <a14:hiddenLine xmlns:a14="http://schemas.microsoft.com/office/drawing/2010/main" xmlns="" w="9525">
+                  <a14:hiddenLine xmlns="" xmlns:a14="http://schemas.microsoft.com/office/drawing/2010/main" w="9525">
                     <a:solidFill>
                       <a:srgbClr val="000000"/>
                     </a:solidFill>
@@ -15170,7 +15170,7 @@
               </a:ln>
               <a:extLst>
                 <a:ext uri="{91240B29-F687-4f45-9708-019B960494DF}">
-                  <a14:hiddenLine xmlns:a14="http://schemas.microsoft.com/office/drawing/2010/main" xmlns="" w="9525">
+                  <a14:hiddenLine xmlns="" xmlns:a14="http://schemas.microsoft.com/office/drawing/2010/main" w="9525">
                     <a:solidFill>
                       <a:srgbClr val="000000"/>
                     </a:solidFill>
@@ -15260,7 +15260,7 @@
               </a:ln>
               <a:extLst>
                 <a:ext uri="{91240B29-F687-4f45-9708-019B960494DF}">
-                  <a14:hiddenLine xmlns:a14="http://schemas.microsoft.com/office/drawing/2010/main" xmlns="" w="9525">
+                  <a14:hiddenLine xmlns="" xmlns:a14="http://schemas.microsoft.com/office/drawing/2010/main" w="9525">
                     <a:solidFill>
                       <a:srgbClr val="000000"/>
                     </a:solidFill>
@@ -15322,7 +15322,7 @@
               </a:ln>
               <a:extLst>
                 <a:ext uri="{91240B29-F687-4f45-9708-019B960494DF}">
-                  <a14:hiddenLine xmlns:a14="http://schemas.microsoft.com/office/drawing/2010/main" xmlns="" w="9525">
+                  <a14:hiddenLine xmlns="" xmlns:a14="http://schemas.microsoft.com/office/drawing/2010/main" w="9525">
                     <a:solidFill>
                       <a:srgbClr val="000000"/>
                     </a:solidFill>
@@ -15384,7 +15384,7 @@
               </a:ln>
               <a:extLst>
                 <a:ext uri="{91240B29-F687-4f45-9708-019B960494DF}">
-                  <a14:hiddenLine xmlns:a14="http://schemas.microsoft.com/office/drawing/2010/main" xmlns="" w="9525">
+                  <a14:hiddenLine xmlns="" xmlns:a14="http://schemas.microsoft.com/office/drawing/2010/main" w="9525">
                     <a:solidFill>
                       <a:srgbClr val="000000"/>
                     </a:solidFill>
@@ -15474,7 +15474,7 @@
               </a:ln>
               <a:extLst>
                 <a:ext uri="{91240B29-F687-4f45-9708-019B960494DF}">
-                  <a14:hiddenLine xmlns:a14="http://schemas.microsoft.com/office/drawing/2010/main" xmlns="" w="9525">
+                  <a14:hiddenLine xmlns="" xmlns:a14="http://schemas.microsoft.com/office/drawing/2010/main" w="9525">
                     <a:solidFill>
                       <a:srgbClr val="000000"/>
                     </a:solidFill>
@@ -15564,7 +15564,7 @@
               </a:ln>
               <a:extLst>
                 <a:ext uri="{91240B29-F687-4f45-9708-019B960494DF}">
-                  <a14:hiddenLine xmlns:a14="http://schemas.microsoft.com/office/drawing/2010/main" xmlns="" w="9525">
+                  <a14:hiddenLine xmlns="" xmlns:a14="http://schemas.microsoft.com/office/drawing/2010/main" w="9525">
                     <a:solidFill>
                       <a:srgbClr val="000000"/>
                     </a:solidFill>
@@ -15626,7 +15626,7 @@
               </a:ln>
               <a:extLst>
                 <a:ext uri="{91240B29-F687-4f45-9708-019B960494DF}">
-                  <a14:hiddenLine xmlns:a14="http://schemas.microsoft.com/office/drawing/2010/main" xmlns="" w="9525">
+                  <a14:hiddenLine xmlns="" xmlns:a14="http://schemas.microsoft.com/office/drawing/2010/main" w="9525">
                     <a:solidFill>
                       <a:srgbClr val="000000"/>
                     </a:solidFill>
@@ -15736,7 +15736,7 @@
               </a:ln>
               <a:extLst>
                 <a:ext uri="{91240B29-F687-4f45-9708-019B960494DF}">
-                  <a14:hiddenLine xmlns:a14="http://schemas.microsoft.com/office/drawing/2010/main" xmlns="" w="9525">
+                  <a14:hiddenLine xmlns="" xmlns:a14="http://schemas.microsoft.com/office/drawing/2010/main" w="9525">
                     <a:solidFill>
                       <a:srgbClr val="000000"/>
                     </a:solidFill>
@@ -15820,7 +15820,7 @@
               </a:ln>
               <a:extLst>
                 <a:ext uri="{91240B29-F687-4f45-9708-019B960494DF}">
-                  <a14:hiddenLine xmlns:a14="http://schemas.microsoft.com/office/drawing/2010/main" xmlns="" w="9525">
+                  <a14:hiddenLine xmlns="" xmlns:a14="http://schemas.microsoft.com/office/drawing/2010/main" w="9525">
                     <a:solidFill>
                       <a:srgbClr val="000000"/>
                     </a:solidFill>
@@ -15882,7 +15882,7 @@
               </a:ln>
               <a:extLst>
                 <a:ext uri="{91240B29-F687-4f45-9708-019B960494DF}">
-                  <a14:hiddenLine xmlns:a14="http://schemas.microsoft.com/office/drawing/2010/main" xmlns="" w="9525">
+                  <a14:hiddenLine xmlns="" xmlns:a14="http://schemas.microsoft.com/office/drawing/2010/main" w="9525">
                     <a:solidFill>
                       <a:srgbClr val="000000"/>
                     </a:solidFill>
@@ -15944,7 +15944,7 @@
               </a:ln>
               <a:extLst>
                 <a:ext uri="{91240B29-F687-4f45-9708-019B960494DF}">
-                  <a14:hiddenLine xmlns:a14="http://schemas.microsoft.com/office/drawing/2010/main" xmlns="" w="9525">
+                  <a14:hiddenLine xmlns="" xmlns:a14="http://schemas.microsoft.com/office/drawing/2010/main" w="9525">
                     <a:solidFill>
                       <a:srgbClr val="000000"/>
                     </a:solidFill>
@@ -16034,7 +16034,7 @@
               </a:ln>
               <a:extLst>
                 <a:ext uri="{91240B29-F687-4f45-9708-019B960494DF}">
-                  <a14:hiddenLine xmlns:a14="http://schemas.microsoft.com/office/drawing/2010/main" xmlns="" w="9525">
+                  <a14:hiddenLine xmlns="" xmlns:a14="http://schemas.microsoft.com/office/drawing/2010/main" w="9525">
                     <a:solidFill>
                       <a:srgbClr val="000000"/>
                     </a:solidFill>
@@ -16068,7 +16068,7 @@
               </a:ln>
               <a:extLst>
                 <a:ext uri="{91240B29-F687-4f45-9708-019B960494DF}">
-                  <a14:hiddenLine xmlns:a14="http://schemas.microsoft.com/office/drawing/2010/main" xmlns="" w="9525">
+                  <a14:hiddenLine xmlns="" xmlns:a14="http://schemas.microsoft.com/office/drawing/2010/main" w="9525">
                     <a:solidFill>
                       <a:srgbClr val="000000"/>
                     </a:solidFill>
@@ -16133,7 +16133,7 @@
               </a:ln>
               <a:extLst>
                 <a:ext uri="{91240B29-F687-4f45-9708-019B960494DF}">
-                  <a14:hiddenLine xmlns:a14="http://schemas.microsoft.com/office/drawing/2010/main" xmlns="" w="9525">
+                  <a14:hiddenLine xmlns="" xmlns:a14="http://schemas.microsoft.com/office/drawing/2010/main" w="9525">
                     <a:solidFill>
                       <a:srgbClr val="000000"/>
                     </a:solidFill>
@@ -16223,7 +16223,7 @@
               </a:ln>
               <a:extLst>
                 <a:ext uri="{91240B29-F687-4f45-9708-019B960494DF}">
-                  <a14:hiddenLine xmlns:a14="http://schemas.microsoft.com/office/drawing/2010/main" xmlns="" w="9525">
+                  <a14:hiddenLine xmlns="" xmlns:a14="http://schemas.microsoft.com/office/drawing/2010/main" w="9525">
                     <a:solidFill>
                       <a:srgbClr val="000000"/>
                     </a:solidFill>
@@ -16285,7 +16285,7 @@
               </a:ln>
               <a:extLst>
                 <a:ext uri="{91240B29-F687-4f45-9708-019B960494DF}">
-                  <a14:hiddenLine xmlns:a14="http://schemas.microsoft.com/office/drawing/2010/main" xmlns="" w="9525">
+                  <a14:hiddenLine xmlns="" xmlns:a14="http://schemas.microsoft.com/office/drawing/2010/main" w="9525">
                     <a:solidFill>
                       <a:srgbClr val="000000"/>
                     </a:solidFill>
@@ -16375,7 +16375,7 @@
               </a:ln>
               <a:extLst>
                 <a:ext uri="{91240B29-F687-4f45-9708-019B960494DF}">
-                  <a14:hiddenLine xmlns:a14="http://schemas.microsoft.com/office/drawing/2010/main" xmlns="" w="9525">
+                  <a14:hiddenLine xmlns="" xmlns:a14="http://schemas.microsoft.com/office/drawing/2010/main" w="9525">
                     <a:solidFill>
                       <a:srgbClr val="000000"/>
                     </a:solidFill>
@@ -16440,7 +16440,7 @@
               </a:ln>
               <a:extLst>
                 <a:ext uri="{91240B29-F687-4f45-9708-019B960494DF}">
-                  <a14:hiddenLine xmlns:a14="http://schemas.microsoft.com/office/drawing/2010/main" xmlns="" w="9525">
+                  <a14:hiddenLine xmlns="" xmlns:a14="http://schemas.microsoft.com/office/drawing/2010/main" w="9525">
                     <a:solidFill>
                       <a:srgbClr val="000000"/>
                     </a:solidFill>
@@ -16502,7 +16502,7 @@
               </a:ln>
               <a:extLst>
                 <a:ext uri="{91240B29-F687-4f45-9708-019B960494DF}">
-                  <a14:hiddenLine xmlns:a14="http://schemas.microsoft.com/office/drawing/2010/main" xmlns="" w="9525">
+                  <a14:hiddenLine xmlns="" xmlns:a14="http://schemas.microsoft.com/office/drawing/2010/main" w="9525">
                     <a:solidFill>
                       <a:srgbClr val="000000"/>
                     </a:solidFill>
@@ -16592,7 +16592,7 @@
               </a:ln>
               <a:extLst>
                 <a:ext uri="{91240B29-F687-4f45-9708-019B960494DF}">
-                  <a14:hiddenLine xmlns:a14="http://schemas.microsoft.com/office/drawing/2010/main" xmlns="" w="9525">
+                  <a14:hiddenLine xmlns="" xmlns:a14="http://schemas.microsoft.com/office/drawing/2010/main" w="9525">
                     <a:solidFill>
                       <a:srgbClr val="000000"/>
                     </a:solidFill>
@@ -16682,7 +16682,7 @@
               </a:ln>
               <a:extLst>
                 <a:ext uri="{91240B29-F687-4f45-9708-019B960494DF}">
-                  <a14:hiddenLine xmlns:a14="http://schemas.microsoft.com/office/drawing/2010/main" xmlns="" w="9525">
+                  <a14:hiddenLine xmlns="" xmlns:a14="http://schemas.microsoft.com/office/drawing/2010/main" w="9525">
                     <a:solidFill>
                       <a:srgbClr val="000000"/>
                     </a:solidFill>
@@ -16747,7 +16747,7 @@
               </a:ln>
               <a:extLst>
                 <a:ext uri="{91240B29-F687-4f45-9708-019B960494DF}">
-                  <a14:hiddenLine xmlns:a14="http://schemas.microsoft.com/office/drawing/2010/main" xmlns="" w="9525">
+                  <a14:hiddenLine xmlns="" xmlns:a14="http://schemas.microsoft.com/office/drawing/2010/main" w="9525">
                     <a:solidFill>
                       <a:srgbClr val="000000"/>
                     </a:solidFill>
@@ -16867,7 +16867,7 @@
               </a:ln>
               <a:extLst>
                 <a:ext uri="{91240B29-F687-4f45-9708-019B960494DF}">
-                  <a14:hiddenLine xmlns:a14="http://schemas.microsoft.com/office/drawing/2010/main" xmlns="" w="9525">
+                  <a14:hiddenLine xmlns="" xmlns:a14="http://schemas.microsoft.com/office/drawing/2010/main" w="9525">
                     <a:solidFill>
                       <a:srgbClr val="000000"/>
                     </a:solidFill>
@@ -16965,7 +16965,7 @@
               </a:ln>
               <a:extLst>
                 <a:ext uri="{91240B29-F687-4f45-9708-019B960494DF}">
-                  <a14:hiddenLine xmlns:a14="http://schemas.microsoft.com/office/drawing/2010/main" xmlns="" w="9525">
+                  <a14:hiddenLine xmlns="" xmlns:a14="http://schemas.microsoft.com/office/drawing/2010/main" w="9525">
                     <a:solidFill>
                       <a:srgbClr val="000000"/>
                     </a:solidFill>
@@ -17080,7 +17080,7 @@
               </a:ln>
               <a:extLst>
                 <a:ext uri="{91240B29-F687-4f45-9708-019B960494DF}">
-                  <a14:hiddenLine xmlns:a14="http://schemas.microsoft.com/office/drawing/2010/main" xmlns="" w="9525">
+                  <a14:hiddenLine xmlns="" xmlns:a14="http://schemas.microsoft.com/office/drawing/2010/main" w="9525">
                     <a:solidFill>
                       <a:srgbClr val="000000"/>
                     </a:solidFill>
@@ -17170,7 +17170,7 @@
               </a:ln>
               <a:extLst>
                 <a:ext uri="{91240B29-F687-4f45-9708-019B960494DF}">
-                  <a14:hiddenLine xmlns:a14="http://schemas.microsoft.com/office/drawing/2010/main" xmlns="" w="9525">
+                  <a14:hiddenLine xmlns="" xmlns:a14="http://schemas.microsoft.com/office/drawing/2010/main" w="9525">
                     <a:solidFill>
                       <a:srgbClr val="000000"/>
                     </a:solidFill>
@@ -17235,7 +17235,7 @@
               </a:ln>
               <a:extLst>
                 <a:ext uri="{91240B29-F687-4f45-9708-019B960494DF}">
-                  <a14:hiddenLine xmlns:a14="http://schemas.microsoft.com/office/drawing/2010/main" xmlns="" w="9525">
+                  <a14:hiddenLine xmlns="" xmlns:a14="http://schemas.microsoft.com/office/drawing/2010/main" w="9525">
                     <a:solidFill>
                       <a:srgbClr val="000000"/>
                     </a:solidFill>
@@ -17325,7 +17325,7 @@
               </a:ln>
               <a:extLst>
                 <a:ext uri="{91240B29-F687-4f45-9708-019B960494DF}">
-                  <a14:hiddenLine xmlns:a14="http://schemas.microsoft.com/office/drawing/2010/main" xmlns="" w="9525">
+                  <a14:hiddenLine xmlns="" xmlns:a14="http://schemas.microsoft.com/office/drawing/2010/main" w="9525">
                     <a:solidFill>
                       <a:srgbClr val="000000"/>
                     </a:solidFill>
@@ -17393,7 +17393,7 @@
               </a:ln>
               <a:extLst>
                 <a:ext uri="{91240B29-F687-4f45-9708-019B960494DF}">
-                  <a14:hiddenLine xmlns:a14="http://schemas.microsoft.com/office/drawing/2010/main" xmlns="" w="9525">
+                  <a14:hiddenLine xmlns="" xmlns:a14="http://schemas.microsoft.com/office/drawing/2010/main" w="9525">
                     <a:solidFill>
                       <a:srgbClr val="000000"/>
                     </a:solidFill>
@@ -17483,7 +17483,7 @@
               </a:ln>
               <a:extLst>
                 <a:ext uri="{91240B29-F687-4f45-9708-019B960494DF}">
-                  <a14:hiddenLine xmlns:a14="http://schemas.microsoft.com/office/drawing/2010/main" xmlns="" w="9525">
+                  <a14:hiddenLine xmlns="" xmlns:a14="http://schemas.microsoft.com/office/drawing/2010/main" w="9525">
                     <a:solidFill>
                       <a:srgbClr val="000000"/>
                     </a:solidFill>
@@ -17551,7 +17551,7 @@
               </a:ln>
               <a:extLst>
                 <a:ext uri="{91240B29-F687-4f45-9708-019B960494DF}">
-                  <a14:hiddenLine xmlns:a14="http://schemas.microsoft.com/office/drawing/2010/main" xmlns="" w="9525">
+                  <a14:hiddenLine xmlns="" xmlns:a14="http://schemas.microsoft.com/office/drawing/2010/main" w="9525">
                     <a:solidFill>
                       <a:srgbClr val="000000"/>
                     </a:solidFill>
@@ -17641,7 +17641,7 @@
               </a:ln>
               <a:extLst>
                 <a:ext uri="{91240B29-F687-4f45-9708-019B960494DF}">
-                  <a14:hiddenLine xmlns:a14="http://schemas.microsoft.com/office/drawing/2010/main" xmlns="" w="9525">
+                  <a14:hiddenLine xmlns="" xmlns:a14="http://schemas.microsoft.com/office/drawing/2010/main" w="9525">
                     <a:solidFill>
                       <a:srgbClr val="000000"/>
                     </a:solidFill>
@@ -17675,7 +17675,7 @@
               </a:ln>
               <a:extLst>
                 <a:ext uri="{91240B29-F687-4f45-9708-019B960494DF}">
-                  <a14:hiddenLine xmlns:a14="http://schemas.microsoft.com/office/drawing/2010/main" xmlns="" w="9525">
+                  <a14:hiddenLine xmlns="" xmlns:a14="http://schemas.microsoft.com/office/drawing/2010/main" w="9525">
                     <a:solidFill>
                       <a:srgbClr val="000000"/>
                     </a:solidFill>
@@ -17815,7 +17815,7 @@
           <a:p>
             <a:fld id="{83DBB5B3-60CA-4C4C-ABB7-49B8DD071723}" type="datetime1">
               <a:rPr lang="en-US" smtClean="0"/>
-              <a:t>7/16/2018</a:t>
+              <a:t>5/20/2019</a:t>
             </a:fld>
             <a:endParaRPr lang="en-US" dirty="0"/>
           </a:p>
@@ -18315,7 +18315,11 @@
             <a:pPr algn="l"/>
             <a:r>
               <a:rPr lang="en-US" sz="1400" dirty="0"/>
-              <a:t>Co-Supervisor:  Dr. Rui Manuel Dias Morais</a:t>
+              <a:t>Co-Supervisor:  Dr. Rui Manuel Dias </a:t>
+            </a:r>
+            <a:r>
+              <a:rPr lang="en-US" sz="1400" dirty="0" err="1"/>
+              <a:t>Morais</a:t>
             </a:r>
             <a:endParaRPr lang="pt-PT" sz="1400" dirty="0"/>
           </a:p>
